--- a/03i exercise2.pptx
+++ b/03i exercise2.pptx
@@ -3115,9 +3115,6 @@
           <a:bodyPr/>
           <a:lstStyle/>
           <a:p>
-            <a:pPr marL="114300" indent="0">
-              <a:buNone/>
-            </a:pPr>
             <a:r>
               <a:rPr lang="en-US" dirty="0"/>
               <a:t>Which director has the highest Rotten tomatoes meter rating “</a:t>
@@ -3132,30 +3129,18 @@
             </a:r>
           </a:p>
           <a:p>
-            <a:pPr marL="114300" indent="0">
-              <a:buNone/>
-            </a:pPr>
             <a:endParaRPr lang="en-US" dirty="0"/>
           </a:p>
           <a:p>
-            <a:pPr marL="114300" indent="0">
-              <a:buNone/>
-            </a:pPr>
             <a:r>
               <a:rPr lang="en-US" dirty="0"/>
               <a:t>Which director has the lowest? </a:t>
             </a:r>
           </a:p>
           <a:p>
-            <a:pPr marL="114300" indent="0">
-              <a:buNone/>
-            </a:pPr>
             <a:endParaRPr lang="en-US" dirty="0"/>
           </a:p>
           <a:p>
-            <a:pPr marL="114300" indent="0">
-              <a:buNone/>
-            </a:pPr>
             <a:r>
               <a:rPr lang="en-US" dirty="0"/>
               <a:t>Note: not all movies have Rotten tomatoes ratings!</a:t>
@@ -3191,6 +3176,183 @@
   <p:clrMapOvr>
     <a:masterClrMapping/>
   </p:clrMapOvr>
+  <p:timing>
+    <p:tnLst>
+      <p:par>
+        <p:cTn id="1" dur="indefinite" restart="never" nodeType="tmRoot">
+          <p:childTnLst>
+            <p:seq concurrent="1" nextAc="seek">
+              <p:cTn id="2" dur="indefinite" nodeType="mainSeq">
+                <p:childTnLst>
+                  <p:par>
+                    <p:cTn id="3" fill="hold">
+                      <p:stCondLst>
+                        <p:cond delay="indefinite"/>
+                      </p:stCondLst>
+                      <p:childTnLst>
+                        <p:par>
+                          <p:cTn id="4" fill="hold">
+                            <p:stCondLst>
+                              <p:cond delay="0"/>
+                            </p:stCondLst>
+                            <p:childTnLst>
+                              <p:par>
+                                <p:cTn id="5" presetID="1" presetClass="entr" presetSubtype="0" fill="hold" nodeType="clickEffect">
+                                  <p:stCondLst>
+                                    <p:cond delay="0"/>
+                                  </p:stCondLst>
+                                  <p:childTnLst>
+                                    <p:set>
+                                      <p:cBhvr>
+                                        <p:cTn id="6" dur="1" fill="hold">
+                                          <p:stCondLst>
+                                            <p:cond delay="0"/>
+                                          </p:stCondLst>
+                                        </p:cTn>
+                                        <p:tgtEl>
+                                          <p:spTgt spid="3">
+                                            <p:txEl>
+                                              <p:pRg st="0" end="0"/>
+                                            </p:txEl>
+                                          </p:spTgt>
+                                        </p:tgtEl>
+                                        <p:attrNameLst>
+                                          <p:attrName>style.visibility</p:attrName>
+                                        </p:attrNameLst>
+                                      </p:cBhvr>
+                                      <p:to>
+                                        <p:strVal val="visible"/>
+                                      </p:to>
+                                    </p:set>
+                                  </p:childTnLst>
+                                </p:cTn>
+                              </p:par>
+                            </p:childTnLst>
+                          </p:cTn>
+                        </p:par>
+                      </p:childTnLst>
+                    </p:cTn>
+                  </p:par>
+                  <p:par>
+                    <p:cTn id="7" fill="hold">
+                      <p:stCondLst>
+                        <p:cond delay="indefinite"/>
+                      </p:stCondLst>
+                      <p:childTnLst>
+                        <p:par>
+                          <p:cTn id="8" fill="hold">
+                            <p:stCondLst>
+                              <p:cond delay="0"/>
+                            </p:stCondLst>
+                            <p:childTnLst>
+                              <p:par>
+                                <p:cTn id="9" presetID="1" presetClass="entr" presetSubtype="0" fill="hold" nodeType="clickEffect">
+                                  <p:stCondLst>
+                                    <p:cond delay="0"/>
+                                  </p:stCondLst>
+                                  <p:childTnLst>
+                                    <p:set>
+                                      <p:cBhvr>
+                                        <p:cTn id="10" dur="1" fill="hold">
+                                          <p:stCondLst>
+                                            <p:cond delay="0"/>
+                                          </p:stCondLst>
+                                        </p:cTn>
+                                        <p:tgtEl>
+                                          <p:spTgt spid="3">
+                                            <p:txEl>
+                                              <p:pRg st="2" end="2"/>
+                                            </p:txEl>
+                                          </p:spTgt>
+                                        </p:tgtEl>
+                                        <p:attrNameLst>
+                                          <p:attrName>style.visibility</p:attrName>
+                                        </p:attrNameLst>
+                                      </p:cBhvr>
+                                      <p:to>
+                                        <p:strVal val="visible"/>
+                                      </p:to>
+                                    </p:set>
+                                  </p:childTnLst>
+                                </p:cTn>
+                              </p:par>
+                            </p:childTnLst>
+                          </p:cTn>
+                        </p:par>
+                      </p:childTnLst>
+                    </p:cTn>
+                  </p:par>
+                  <p:par>
+                    <p:cTn id="11" fill="hold">
+                      <p:stCondLst>
+                        <p:cond delay="indefinite"/>
+                      </p:stCondLst>
+                      <p:childTnLst>
+                        <p:par>
+                          <p:cTn id="12" fill="hold">
+                            <p:stCondLst>
+                              <p:cond delay="0"/>
+                            </p:stCondLst>
+                            <p:childTnLst>
+                              <p:par>
+                                <p:cTn id="13" presetID="1" presetClass="entr" presetSubtype="0" fill="hold" nodeType="clickEffect">
+                                  <p:stCondLst>
+                                    <p:cond delay="0"/>
+                                  </p:stCondLst>
+                                  <p:childTnLst>
+                                    <p:set>
+                                      <p:cBhvr>
+                                        <p:cTn id="14" dur="1" fill="hold">
+                                          <p:stCondLst>
+                                            <p:cond delay="0"/>
+                                          </p:stCondLst>
+                                        </p:cTn>
+                                        <p:tgtEl>
+                                          <p:spTgt spid="3">
+                                            <p:txEl>
+                                              <p:pRg st="4" end="4"/>
+                                            </p:txEl>
+                                          </p:spTgt>
+                                        </p:tgtEl>
+                                        <p:attrNameLst>
+                                          <p:attrName>style.visibility</p:attrName>
+                                        </p:attrNameLst>
+                                      </p:cBhvr>
+                                      <p:to>
+                                        <p:strVal val="visible"/>
+                                      </p:to>
+                                    </p:set>
+                                  </p:childTnLst>
+                                </p:cTn>
+                              </p:par>
+                            </p:childTnLst>
+                          </p:cTn>
+                        </p:par>
+                      </p:childTnLst>
+                    </p:cTn>
+                  </p:par>
+                </p:childTnLst>
+              </p:cTn>
+              <p:prevCondLst>
+                <p:cond evt="onPrev" delay="0">
+                  <p:tgtEl>
+                    <p:sldTgt/>
+                  </p:tgtEl>
+                </p:cond>
+              </p:prevCondLst>
+              <p:nextCondLst>
+                <p:cond evt="onNext" delay="0">
+                  <p:tgtEl>
+                    <p:sldTgt/>
+                  </p:tgtEl>
+                </p:cond>
+              </p:nextCondLst>
+            </p:seq>
+          </p:childTnLst>
+        </p:cTn>
+      </p:par>
+    </p:tnLst>
+  </p:timing>
 </p:sld>
 </file>
 
@@ -3401,6 +3563,36 @@
           </a:prstGeom>
         </p:spPr>
       </p:pic>
+      <p:pic>
+        <p:nvPicPr>
+          <p:cNvPr id="5" name="Picture 4">
+            <a:extLst>
+              <a:ext uri="{FF2B5EF4-FFF2-40B4-BE49-F238E27FC236}">
+                <a16:creationId xmlns:a16="http://schemas.microsoft.com/office/drawing/2014/main" id="{B6BDF9FF-49BA-C243-B9FC-A19B2DE346EE}"/>
+              </a:ext>
+            </a:extLst>
+          </p:cNvPr>
+          <p:cNvPicPr>
+            <a:picLocks noChangeAspect="1"/>
+          </p:cNvPicPr>
+          <p:nvPr/>
+        </p:nvPicPr>
+        <p:blipFill>
+          <a:blip r:embed="rId3"/>
+          <a:stretch>
+            <a:fillRect/>
+          </a:stretch>
+        </p:blipFill>
+        <p:spPr>
+          <a:xfrm>
+            <a:off x="3251177" y="4777458"/>
+            <a:ext cx="956090" cy="128828"/>
+          </a:xfrm>
+          <a:prstGeom prst="rect">
+            <a:avLst/>
+          </a:prstGeom>
+        </p:spPr>
+      </p:pic>
     </p:spTree>
     <p:extLst>
       <p:ext uri="{BB962C8B-B14F-4D97-AF65-F5344CB8AC3E}">
@@ -3411,6 +3603,81 @@
   <p:clrMapOvr>
     <a:masterClrMapping/>
   </p:clrMapOvr>
+  <p:timing>
+    <p:tnLst>
+      <p:par>
+        <p:cTn id="1" dur="indefinite" restart="never" nodeType="tmRoot">
+          <p:childTnLst>
+            <p:seq concurrent="1" nextAc="seek">
+              <p:cTn id="2" dur="indefinite" nodeType="mainSeq">
+                <p:childTnLst>
+                  <p:par>
+                    <p:cTn id="3" fill="hold">
+                      <p:stCondLst>
+                        <p:cond delay="indefinite"/>
+                      </p:stCondLst>
+                      <p:childTnLst>
+                        <p:par>
+                          <p:cTn id="4" fill="hold">
+                            <p:stCondLst>
+                              <p:cond delay="0"/>
+                            </p:stCondLst>
+                            <p:childTnLst>
+                              <p:par>
+                                <p:cTn id="5" presetID="1" presetClass="entr" presetSubtype="0" fill="hold" nodeType="clickEffect">
+                                  <p:stCondLst>
+                                    <p:cond delay="0"/>
+                                  </p:stCondLst>
+                                  <p:childTnLst>
+                                    <p:set>
+                                      <p:cBhvr>
+                                        <p:cTn id="6" dur="1" fill="hold">
+                                          <p:stCondLst>
+                                            <p:cond delay="0"/>
+                                          </p:stCondLst>
+                                        </p:cTn>
+                                        <p:tgtEl>
+                                          <p:spTgt spid="5"/>
+                                        </p:tgtEl>
+                                        <p:attrNameLst>
+                                          <p:attrName>style.visibility</p:attrName>
+                                        </p:attrNameLst>
+                                      </p:cBhvr>
+                                      <p:to>
+                                        <p:strVal val="visible"/>
+                                      </p:to>
+                                    </p:set>
+                                  </p:childTnLst>
+                                </p:cTn>
+                              </p:par>
+                            </p:childTnLst>
+                          </p:cTn>
+                        </p:par>
+                      </p:childTnLst>
+                    </p:cTn>
+                  </p:par>
+                </p:childTnLst>
+              </p:cTn>
+              <p:prevCondLst>
+                <p:cond evt="onPrev" delay="0">
+                  <p:tgtEl>
+                    <p:sldTgt/>
+                  </p:tgtEl>
+                </p:cond>
+              </p:prevCondLst>
+              <p:nextCondLst>
+                <p:cond evt="onNext" delay="0">
+                  <p:tgtEl>
+                    <p:sldTgt/>
+                  </p:tgtEl>
+                </p:cond>
+              </p:nextCondLst>
+            </p:seq>
+          </p:childTnLst>
+        </p:cTn>
+      </p:par>
+    </p:tnLst>
+  </p:timing>
 </p:sld>
 </file>
 
@@ -3511,6 +3778,36 @@
           </a:prstGeom>
         </p:spPr>
       </p:pic>
+      <p:pic>
+        <p:nvPicPr>
+          <p:cNvPr id="5" name="Picture 4">
+            <a:extLst>
+              <a:ext uri="{FF2B5EF4-FFF2-40B4-BE49-F238E27FC236}">
+                <a16:creationId xmlns:a16="http://schemas.microsoft.com/office/drawing/2014/main" id="{1DC0D32E-1A9C-4746-8B3F-8485FD53CAF7}"/>
+              </a:ext>
+            </a:extLst>
+          </p:cNvPr>
+          <p:cNvPicPr>
+            <a:picLocks noChangeAspect="1"/>
+          </p:cNvPicPr>
+          <p:nvPr/>
+        </p:nvPicPr>
+        <p:blipFill>
+          <a:blip r:embed="rId3"/>
+          <a:stretch>
+            <a:fillRect/>
+          </a:stretch>
+        </p:blipFill>
+        <p:spPr>
+          <a:xfrm>
+            <a:off x="3323097" y="1193647"/>
+            <a:ext cx="1916723" cy="128828"/>
+          </a:xfrm>
+          <a:prstGeom prst="rect">
+            <a:avLst/>
+          </a:prstGeom>
+        </p:spPr>
+      </p:pic>
     </p:spTree>
     <p:extLst>
       <p:ext uri="{BB962C8B-B14F-4D97-AF65-F5344CB8AC3E}">
@@ -3521,6 +3818,81 @@
   <p:clrMapOvr>
     <a:masterClrMapping/>
   </p:clrMapOvr>
+  <p:timing>
+    <p:tnLst>
+      <p:par>
+        <p:cTn id="1" dur="indefinite" restart="never" nodeType="tmRoot">
+          <p:childTnLst>
+            <p:seq concurrent="1" nextAc="seek">
+              <p:cTn id="2" dur="indefinite" nodeType="mainSeq">
+                <p:childTnLst>
+                  <p:par>
+                    <p:cTn id="3" fill="hold">
+                      <p:stCondLst>
+                        <p:cond delay="indefinite"/>
+                      </p:stCondLst>
+                      <p:childTnLst>
+                        <p:par>
+                          <p:cTn id="4" fill="hold">
+                            <p:stCondLst>
+                              <p:cond delay="0"/>
+                            </p:stCondLst>
+                            <p:childTnLst>
+                              <p:par>
+                                <p:cTn id="5" presetID="1" presetClass="entr" presetSubtype="0" fill="hold" nodeType="clickEffect">
+                                  <p:stCondLst>
+                                    <p:cond delay="0"/>
+                                  </p:stCondLst>
+                                  <p:childTnLst>
+                                    <p:set>
+                                      <p:cBhvr>
+                                        <p:cTn id="6" dur="1" fill="hold">
+                                          <p:stCondLst>
+                                            <p:cond delay="0"/>
+                                          </p:stCondLst>
+                                        </p:cTn>
+                                        <p:tgtEl>
+                                          <p:spTgt spid="5"/>
+                                        </p:tgtEl>
+                                        <p:attrNameLst>
+                                          <p:attrName>style.visibility</p:attrName>
+                                        </p:attrNameLst>
+                                      </p:cBhvr>
+                                      <p:to>
+                                        <p:strVal val="visible"/>
+                                      </p:to>
+                                    </p:set>
+                                  </p:childTnLst>
+                                </p:cTn>
+                              </p:par>
+                            </p:childTnLst>
+                          </p:cTn>
+                        </p:par>
+                      </p:childTnLst>
+                    </p:cTn>
+                  </p:par>
+                </p:childTnLst>
+              </p:cTn>
+              <p:prevCondLst>
+                <p:cond evt="onPrev" delay="0">
+                  <p:tgtEl>
+                    <p:sldTgt/>
+                  </p:tgtEl>
+                </p:cond>
+              </p:prevCondLst>
+              <p:nextCondLst>
+                <p:cond evt="onNext" delay="0">
+                  <p:tgtEl>
+                    <p:sldTgt/>
+                  </p:tgtEl>
+                </p:cond>
+              </p:nextCondLst>
+            </p:seq>
+          </p:childTnLst>
+        </p:cTn>
+      </p:par>
+    </p:tnLst>
+  </p:timing>
 </p:sld>
 </file>
 
@@ -3621,6 +3993,36 @@
           </a:prstGeom>
         </p:spPr>
       </p:pic>
+      <p:pic>
+        <p:nvPicPr>
+          <p:cNvPr id="5" name="Picture 4">
+            <a:extLst>
+              <a:ext uri="{FF2B5EF4-FFF2-40B4-BE49-F238E27FC236}">
+                <a16:creationId xmlns:a16="http://schemas.microsoft.com/office/drawing/2014/main" id="{C4C3DA08-5D6E-D944-BEA6-4798F003A838}"/>
+              </a:ext>
+            </a:extLst>
+          </p:cNvPr>
+          <p:cNvPicPr>
+            <a:picLocks noChangeAspect="1"/>
+          </p:cNvPicPr>
+          <p:nvPr/>
+        </p:nvPicPr>
+        <p:blipFill>
+          <a:blip r:embed="rId3"/>
+          <a:stretch>
+            <a:fillRect/>
+          </a:stretch>
+        </p:blipFill>
+        <p:spPr>
+          <a:xfrm>
+            <a:off x="2372737" y="1637084"/>
+            <a:ext cx="1690692" cy="128828"/>
+          </a:xfrm>
+          <a:prstGeom prst="rect">
+            <a:avLst/>
+          </a:prstGeom>
+        </p:spPr>
+      </p:pic>
     </p:spTree>
     <p:extLst>
       <p:ext uri="{BB962C8B-B14F-4D97-AF65-F5344CB8AC3E}">
@@ -3631,6 +4033,81 @@
   <p:clrMapOvr>
     <a:masterClrMapping/>
   </p:clrMapOvr>
+  <p:timing>
+    <p:tnLst>
+      <p:par>
+        <p:cTn id="1" dur="indefinite" restart="never" nodeType="tmRoot">
+          <p:childTnLst>
+            <p:seq concurrent="1" nextAc="seek">
+              <p:cTn id="2" dur="indefinite" nodeType="mainSeq">
+                <p:childTnLst>
+                  <p:par>
+                    <p:cTn id="3" fill="hold">
+                      <p:stCondLst>
+                        <p:cond delay="indefinite"/>
+                      </p:stCondLst>
+                      <p:childTnLst>
+                        <p:par>
+                          <p:cTn id="4" fill="hold">
+                            <p:stCondLst>
+                              <p:cond delay="0"/>
+                            </p:stCondLst>
+                            <p:childTnLst>
+                              <p:par>
+                                <p:cTn id="5" presetID="1" presetClass="entr" presetSubtype="0" fill="hold" nodeType="clickEffect">
+                                  <p:stCondLst>
+                                    <p:cond delay="0"/>
+                                  </p:stCondLst>
+                                  <p:childTnLst>
+                                    <p:set>
+                                      <p:cBhvr>
+                                        <p:cTn id="6" dur="1" fill="hold">
+                                          <p:stCondLst>
+                                            <p:cond delay="0"/>
+                                          </p:stCondLst>
+                                        </p:cTn>
+                                        <p:tgtEl>
+                                          <p:spTgt spid="5"/>
+                                        </p:tgtEl>
+                                        <p:attrNameLst>
+                                          <p:attrName>style.visibility</p:attrName>
+                                        </p:attrNameLst>
+                                      </p:cBhvr>
+                                      <p:to>
+                                        <p:strVal val="visible"/>
+                                      </p:to>
+                                    </p:set>
+                                  </p:childTnLst>
+                                </p:cTn>
+                              </p:par>
+                            </p:childTnLst>
+                          </p:cTn>
+                        </p:par>
+                      </p:childTnLst>
+                    </p:cTn>
+                  </p:par>
+                </p:childTnLst>
+              </p:cTn>
+              <p:prevCondLst>
+                <p:cond evt="onPrev" delay="0">
+                  <p:tgtEl>
+                    <p:sldTgt/>
+                  </p:tgtEl>
+                </p:cond>
+              </p:prevCondLst>
+              <p:nextCondLst>
+                <p:cond evt="onNext" delay="0">
+                  <p:tgtEl>
+                    <p:sldTgt/>
+                  </p:tgtEl>
+                </p:cond>
+              </p:nextCondLst>
+            </p:seq>
+          </p:childTnLst>
+        </p:cTn>
+      </p:par>
+    </p:tnLst>
+  </p:timing>
 </p:sld>
 </file>
 
